--- a/lectures/lecture-19/Lecture-Live A00/Lecture 19 - Lecture.pptx
+++ b/lectures/lecture-19/Lecture-Live A00/Lecture 19 - Lecture.pptx
@@ -151,6 +151,134 @@
     </p:ext>
   </p:extLst>
 </p:presentation>
+</file>
+
+<file path=ppt/ink/ink1.xml><?xml version="1.0" encoding="utf-8"?>
+<inkml:ink xmlns:inkml="http://www.w3.org/2003/InkML">
+  <inkml:definitions>
+    <inkml:context xml:id="ctx0">
+      <inkml:inkSource xml:id="inkSrc0">
+        <inkml:traceFormat>
+          <inkml:channel name="X" type="integer" min="-2.14748E9" max="2.14748E9" units="cm"/>
+          <inkml:channel name="Y" type="integer" min="-2.14748E9" max="2.14748E9" units="cm"/>
+          <inkml:channel name="F" type="integer" max="32767" units="dev"/>
+          <inkml:channel name="OA" type="integer" max="360" units="deg"/>
+          <inkml:channel name="OE" type="integer" max="90" units="deg"/>
+        </inkml:traceFormat>
+        <inkml:channelProperties>
+          <inkml:channelProperty channel="X" name="resolution" value="1000" units="1/cm"/>
+          <inkml:channelProperty channel="Y" name="resolution" value="1000" units="1/cm"/>
+          <inkml:channelProperty channel="F" name="resolution" value="0" units="1/dev"/>
+          <inkml:channelProperty channel="OA" name="resolution" value="1000" units="1/deg"/>
+          <inkml:channelProperty channel="OE" name="resolution" value="1000" units="1/deg"/>
+        </inkml:channelProperties>
+      </inkml:inkSource>
+      <inkml:timestamp xml:id="ts0" timeString="2020-11-18T17:00:26.581"/>
+    </inkml:context>
+    <inkml:brush xml:id="br0">
+      <inkml:brushProperty name="width" value="0.05" units="cm"/>
+      <inkml:brushProperty name="height" value="0.05" units="cm"/>
+      <inkml:brushProperty name="color" value="#004F8B"/>
+    </inkml:brush>
+  </inkml:definitions>
+  <inkml:trace contextRef="#ctx0" brushRef="#br0">39 102 8288 0 0,'-1'0'63'0'0,"0"0"0"0"0,0-1-1 0 0,0 0 1 0 0,0 1 0 0 0,0-1 0 0 0,1 1 0 0 0,-1-1 0 0 0,0 0 0 0 0,1 0 0 0 0,-1 1-1 0 0,0-1 1 0 0,1 0 0 0 0,-1 0 0 0 0,1 0 0 0 0,-1 0 0 0 0,1 0 0 0 0,-1-1 0 0 0,-5-22 836 0 0,2 5 423 0 0,1 1-187 0 0,3 17-1027 0 0,0-1 0 0 0,0 1 0 0 0,0-1 0 0 0,0 1 0 0 0,0-1 0 0 0,0 1 0 0 0,-1-1 0 0 0,1 1 0 0 0,-1-1 0 0 0,1 1 0 0 0,-1 0 0 0 0,1-1 0 0 0,-1 1 0 0 0,0 0 0 0 0,0-1 0 0 0,1 1 0 0 0,-1 0 0 0 0,-5 0 4602 0 0,7 15-4337 0 0,-1-10 263 0 0,0-2-526 0 0,0 0-1 0 0,1-1 0 0 0,-1 1 1 0 0,1 0-1 0 0,-1-1 0 0 0,1 1 1 0 0,-1-1-1 0 0,1 1 0 0 0,0-1 1 0 0,0 1-1 0 0,0-1 0 0 0,0 1 1 0 0,0-1-1 0 0,0 0 1 0 0,0 0-1 0 0,0 1 0 0 0,0-1 1 0 0,3 1-1 0 0,-1 1 70 0 0,1-1-1 0 0,0 1 1 0 0,0-1-1 0 0,0 0 1 0 0,0 0 0 0 0,5 1-1 0 0,23 6 475 0 0,0-3 0 0 0,0 0 0 0 0,47 1-1 0 0,-35-3-277 0 0,326 14 1231 0 0,-309-16-1455 0 0,117-9 184 0 0,-136 4-236 0 0,81-7 220 0 0,83-4 193 0 0,-176 16-300 0 0,1 1 0 0 0,45 11-1 0 0,-37-7 26 0 0,-26-1 100 0 0,-11-5-255 0 0,0 0 0 0 0,1 1 0 0 0,-1-1 0 0 0,0 0 0 0 0,1 0 0 0 0,0 0 0 0 0,3 0 0 0 0,4 2-43 0 0,-1 0-39 0 0,-1-1 0 0 0,-1 0-139 0 0</inkml:trace>
+</inkml:ink>
+</file>
+
+<file path=ppt/ink/ink2.xml><?xml version="1.0" encoding="utf-8"?>
+<inkml:ink xmlns:inkml="http://www.w3.org/2003/InkML">
+  <inkml:definitions>
+    <inkml:context xml:id="ctx0">
+      <inkml:inkSource xml:id="inkSrc0">
+        <inkml:traceFormat>
+          <inkml:channel name="X" type="integer" min="-2.14748E9" max="2.14748E9" units="cm"/>
+          <inkml:channel name="Y" type="integer" min="-2.14748E9" max="2.14748E9" units="cm"/>
+          <inkml:channel name="F" type="integer" max="32767" units="dev"/>
+          <inkml:channel name="OA" type="integer" max="360" units="deg"/>
+          <inkml:channel name="OE" type="integer" max="90" units="deg"/>
+        </inkml:traceFormat>
+        <inkml:channelProperties>
+          <inkml:channelProperty channel="X" name="resolution" value="1000" units="1/cm"/>
+          <inkml:channelProperty channel="Y" name="resolution" value="1000" units="1/cm"/>
+          <inkml:channelProperty channel="F" name="resolution" value="0" units="1/dev"/>
+          <inkml:channelProperty channel="OA" name="resolution" value="1000" units="1/deg"/>
+          <inkml:channelProperty channel="OE" name="resolution" value="1000" units="1/deg"/>
+        </inkml:channelProperties>
+      </inkml:inkSource>
+      <inkml:timestamp xml:id="ts0" timeString="2020-11-18T17:00:27.619"/>
+    </inkml:context>
+    <inkml:brush xml:id="br0">
+      <inkml:brushProperty name="width" value="0.05" units="cm"/>
+      <inkml:brushProperty name="height" value="0.05" units="cm"/>
+      <inkml:brushProperty name="color" value="#004F8B"/>
+    </inkml:brush>
+  </inkml:definitions>
+  <inkml:trace contextRef="#ctx0" brushRef="#br0">76 75 3680 0 0,'0'0'167'0'0,"-18"-8"1671"0"0,1-6 4153 0 0,-10-10-1857 0 0,25 23-3827 0 0,1-1 0 0 0,0 1 0 0 0,0 0 0 0 0,0-1 1 0 0,0 0-1 0 0,0 1 0 0 0,0-1 0 0 0,0 0 1 0 0,0 1-1 0 0,1-1 0 0 0,-1 0 0 0 0,1 0 1 0 0,-1 0-1 0 0,0-4 4187 0 0,18 16-3452 0 0,-2-2-843 0 0,0 0 1 0 0,0-1-1 0 0,1-1 0 0 0,0 0 1 0 0,1-1-1 0 0,-1-1 0 0 0,1 0 0 0 0,0-1 1 0 0,0-1-1 0 0,25-1 0 0 0,85 4 427 0 0,205 2 100 0 0,-286-8-664 0 0,162-10 356 0 0,-103-1-191 0 0,150-13 482 0 0,-206 22-306 0 0,46-1 178 0 0,-22-3-240 0 0,-69 6-319 0 0,5-1 42 0 0,-8 2-38 0 0,-1-2-125 0 0</inkml:trace>
+</inkml:ink>
+</file>
+
+<file path=ppt/ink/ink3.xml><?xml version="1.0" encoding="utf-8"?>
+<inkml:ink xmlns:inkml="http://www.w3.org/2003/InkML">
+  <inkml:definitions>
+    <inkml:context xml:id="ctx0">
+      <inkml:inkSource xml:id="inkSrc0">
+        <inkml:traceFormat>
+          <inkml:channel name="X" type="integer" min="-2.14748E9" max="2.14748E9" units="cm"/>
+          <inkml:channel name="Y" type="integer" min="-2.14748E9" max="2.14748E9" units="cm"/>
+          <inkml:channel name="F" type="integer" max="32767" units="dev"/>
+          <inkml:channel name="OA" type="integer" max="360" units="deg"/>
+          <inkml:channel name="OE" type="integer" max="90" units="deg"/>
+        </inkml:traceFormat>
+        <inkml:channelProperties>
+          <inkml:channelProperty channel="X" name="resolution" value="1000" units="1/cm"/>
+          <inkml:channelProperty channel="Y" name="resolution" value="1000" units="1/cm"/>
+          <inkml:channelProperty channel="F" name="resolution" value="0" units="1/dev"/>
+          <inkml:channelProperty channel="OA" name="resolution" value="1000" units="1/deg"/>
+          <inkml:channelProperty channel="OE" name="resolution" value="1000" units="1/deg"/>
+        </inkml:channelProperties>
+      </inkml:inkSource>
+      <inkml:timestamp xml:id="ts0" timeString="2020-11-18T17:00:32.611"/>
+    </inkml:context>
+    <inkml:brush xml:id="br0">
+      <inkml:brushProperty name="width" value="0.05" units="cm"/>
+      <inkml:brushProperty name="height" value="0.05" units="cm"/>
+      <inkml:brushProperty name="color" value="#004F8B"/>
+    </inkml:brush>
+  </inkml:definitions>
+  <inkml:trace contextRef="#ctx0" brushRef="#br0">58 154 8896 0 0,'0'0'9'0'0,"0"0"0"0"0,0 0 1 0 0,0 0-1 0 0,0 0 0 0 0,1 0 1 0 0,-1 0-1 0 0,0 1 0 0 0,0-1 1 0 0,0 0-1 0 0,0 0 0 0 0,0 0 0 0 0,0 0 1 0 0,1 0-1 0 0,-1 0 0 0 0,0 0 1 0 0,0 0-1 0 0,0 0 0 0 0,0 1 1 0 0,0-1-1 0 0,0 0 0 0 0,0 0 1 0 0,0 0-1 0 0,0 0 0 0 0,0 0 0 0 0,0 0 1 0 0,0 1-1 0 0,0-1 0 0 0,0 0 1 0 0,0 0-1 0 0,0 0 0 0 0,0 0 1 0 0,0 0-1 0 0,0 0 0 0 0,0 1 1 0 0,0-1-1 0 0,0 0 0 0 0,0 0 1 0 0,0 0-1 0 0,0 0 0 0 0,0 0 0 0 0,0 1 1 0 0,0-1-1 0 0,0 0 0 0 0,0 0 1 0 0,0 0-1 0 0,0 0 0 0 0,0 0 1 0 0,0 0-1 0 0,0 0 0 0 0,-1 1 1 0 0,1-1-1 0 0,0 0 0 0 0,0 0 0 0 0,0 0 1 0 0,0 0-1 0 0,0 0 0 0 0,0 0 1 0 0,-1 0-1 0 0,-10 1 446 0 0,-1 0 967 0 0,10 0-1256 0 0,1-1-1 0 0,0 0 0 0 0,0 1 1 0 0,0-1-1 0 0,0 0 0 0 0,-1 0 1 0 0,1 0-1 0 0,0 0 0 0 0,0 0 0 0 0,0 0 1 0 0,0 0-1 0 0,-1-1 0 0 0,1 1 1 0 0,0 0-1 0 0,0-1 0 0 0,0 1 1 0 0,0-1-1 0 0,0 1 0 0 0,0-1 1 0 0,0 1-1 0 0,0-1 0 0 0,-1-1 1 0 0,1 2-78 0 0,1 0 1 0 0,-1 0-1 0 0,1-1 1 0 0,-1 1 0 0 0,1 0-1 0 0,-1-1 1 0 0,1 1-1 0 0,0-1 1 0 0,-1 1 0 0 0,1 0-1 0 0,0-1 1 0 0,-1 1-1 0 0,1-1 1 0 0,0 1 0 0 0,-1-1-1 0 0,1 1 1 0 0,0-1-1 0 0,0 1 1 0 0,0-1 0 0 0,0 1-1 0 0,-1-1 1 0 0,1 1-1 0 0,0-1 1 0 0,0 1 0 0 0,0-1-1 0 0,0 1 1 0 0,0-1-1 0 0,0 0 1 0 0,0 1 0 0 0,1-1-1 0 0,-1 1 1 0 0,0-1 0 0 0,0 1-1 0 0,0-1 1 0 0,0 1-1 0 0,1-1 1 0 0,-1 1 0 0 0,0-1-1 0 0,0 1 1 0 0,1 0-1 0 0,-1-1 1 0 0,0 1 0 0 0,1-1-1 0 0,-1 1 1 0 0,1 0-1 0 0,-1-1 1 0 0,0 1 0 0 0,1 0-1 0 0,-1-1 1 0 0,1 1-1 0 0,1-1 21 0 0,-1 0 1 0 0,0 0-1 0 0,0 0 0 0 0,1 0 0 0 0,-1 0 0 0 0,1 1 0 0 0,-1-1 0 0 0,1 1 0 0 0,-1-1 0 0 0,1 1 0 0 0,-1-1 0 0 0,1 1 0 0 0,-1 0 0 0 0,1 0 0 0 0,0 0 1 0 0,-1 0-1 0 0,1 0 0 0 0,-1 0 0 0 0,1 0 0 0 0,-1 0 0 0 0,1 1 0 0 0,0-1 0 0 0,-1 0 0 0 0,1 1 0 0 0,1 0 0 0 0,10 2 297 0 0,1-1-1 0 0,-1-1 0 0 0,1 0 0 0 0,0-1 0 0 0,25-4 1 0 0,16 1 269 0 0,160 10 1066 0 0,-189-7-1655 0 0,-1-1 0 0 0,32-6 1 0 0,1 0-90 0 0,41-1 11 0 0,145-8 945 0 0,46 16 166 0 0,2-8-1159 0 0,-122 0 439 0 0,-78 2 287 0 0,100-19 1 0 0,-167 21-624 0 0,0 2 0 0 0,0 1 1 0 0,0 1-1 0 0,31 4 0 0 0,-18-4 84 0 0,-37 0-147 0 0,-1-1 0 0 0,1 1 0 0 0,0 0 0 0 0,-1-1 0 0 0,1 1 0 0 0,-1-1 0 0 0,1 1 0 0 0,0-1 0 0 0,-1 1 0 0 0,1-1 0 0 0,-1 1 0 0 0,0-1 0 0 0,1 0 0 0 0,-1 1 0 0 0,1-1 0 0 0,-1 0 0 0 0,0 1 0 0 0,0-1 0 0 0,1 0 0 0 0,-1 1 0 0 0,0-1 0 0 0,0 0 0 0 0,0 0 0 0 0,2-17 80 0 0,-4 7-398 0 0,2 7-2859 0 0</inkml:trace>
+</inkml:ink>
+</file>
+
+<file path=ppt/ink/ink4.xml><?xml version="1.0" encoding="utf-8"?>
+<inkml:ink xmlns:inkml="http://www.w3.org/2003/InkML">
+  <inkml:definitions>
+    <inkml:context xml:id="ctx0">
+      <inkml:inkSource xml:id="inkSrc0">
+        <inkml:traceFormat>
+          <inkml:channel name="X" type="integer" min="-2.14748E9" max="2.14748E9" units="cm"/>
+          <inkml:channel name="Y" type="integer" min="-2.14748E9" max="2.14748E9" units="cm"/>
+          <inkml:channel name="F" type="integer" max="32767" units="dev"/>
+          <inkml:channel name="OA" type="integer" max="360" units="deg"/>
+          <inkml:channel name="OE" type="integer" max="90" units="deg"/>
+        </inkml:traceFormat>
+        <inkml:channelProperties>
+          <inkml:channelProperty channel="X" name="resolution" value="1000" units="1/cm"/>
+          <inkml:channelProperty channel="Y" name="resolution" value="1000" units="1/cm"/>
+          <inkml:channelProperty channel="F" name="resolution" value="0" units="1/dev"/>
+          <inkml:channelProperty channel="OA" name="resolution" value="1000" units="1/deg"/>
+          <inkml:channelProperty channel="OE" name="resolution" value="1000" units="1/deg"/>
+        </inkml:channelProperties>
+      </inkml:inkSource>
+      <inkml:timestamp xml:id="ts0" timeString="2020-11-18T17:00:38.280"/>
+    </inkml:context>
+    <inkml:brush xml:id="br0">
+      <inkml:brushProperty name="width" value="0.05" units="cm"/>
+      <inkml:brushProperty name="height" value="0.05" units="cm"/>
+      <inkml:brushProperty name="color" value="#004F8B"/>
+    </inkml:brush>
+  </inkml:definitions>
+  <inkml:trace contextRef="#ctx0" brushRef="#br0">66 79 2760 0 0,'-4'4'31'0'0,"3"-2"-16"0"0,0-1 0 0 0,0 0 0 0 0,0 0 0 0 0,0 0 0 0 0,0 0 0 0 0,0 0 0 0 0,0-1 0 0 0,0 1 0 0 0,0 0 1 0 0,0 0-1 0 0,-1-1 0 0 0,1 1 0 0 0,0-1 0 0 0,0 1 0 0 0,-2 0 0 0 0,2-1-28 0 0,0 0 1 0 0,0 0 0 0 0,0 0-1 0 0,0 1 1 0 0,0-1-1 0 0,1 0 1 0 0,-1 1-1 0 0,0-1 1 0 0,0 0-1 0 0,0 1 1 0 0,1-1-1 0 0,-2 2 1 0 0,1-2 262 0 0,0 1 0 0 0,0 0 0 0 0,0-1 0 0 0,0 1 0 0 0,0 0 0 0 0,0-1 0 0 0,-1 0-1 0 0,1 1 1 0 0,0-1 0 0 0,0 0 0 0 0,0 1 0 0 0,0-1 0 0 0,-2 0 0 0 0,-9 0 7169 0 0,12 0-7368 0 0,-1 0 1 0 0,1 0 0 0 0,0 0-1 0 0,0 1 1 0 0,0-1 0 0 0,0 0-1 0 0,0 0 1 0 0,0 0 0 0 0,0 0-1 0 0,0 1 1 0 0,0-1 0 0 0,0 0-1 0 0,0 0 1 0 0,0 0 0 0 0,0 0-1 0 0,0 1 1 0 0,0-1 0 0 0,0 0 0 0 0,0 0-1 0 0,0 0 1 0 0,0 0 0 0 0,0 1-1 0 0,0-1 1 0 0,0 0 0 0 0,0 0-1 0 0,1 0 1 0 0,-1 0 0 0 0,0 0-1 0 0,0 0 1 0 0,0 1 0 0 0,0-1-1 0 0,0 0 1 0 0,0 0 0 0 0,0 0-1 0 0,1 0 1 0 0,-1 0 0 0 0,0 0-1 0 0,0 0 1 0 0,0 0 0 0 0,0 1-1 0 0,1-1 1 0 0,2 2 28 0 0,0 1 0 0 0,0-1 0 0 0,1 0 0 0 0,-1 0 0 0 0,1 0 0 0 0,-1 0 0 0 0,1 0 0 0 0,0-1 0 0 0,0 0 0 0 0,0 0 0 0 0,0 0 0 0 0,0 0 0 0 0,0 0 0 0 0,0-1 0 0 0,0 0 0 0 0,0 0 0 0 0,0 0 0 0 0,0 0 0 0 0,6-2 0 0 0,7 0 361 0 0,0-2 1 0 0,-1 0-1 0 0,22-9 0 0 0,-6 1 316 0 0,2 2 0 0 0,56-12 0 0 0,257-7 866 0 0,262 47 535 0 0,-461-6-2134 0 0,-55-2 1076 0 0,162-6 0 0 0,-90-20-640 0 0,-108 10-47 0 0,98-18 526 0 0,-75 13-613 0 0,-62 10-249 0 0,29 1 109 0 0,-39 1-113 0 0,0 0 0 0 0,-1-1 0 0 0,1 0 0 0 0,0 0-1 0 0,-1-1 1 0 0,1 0 0 0 0,9-3 0 0 0,-2-7 158 0 0,-15 11-243 0 0,0 0 0 0 0,-1 0 1 0 0,1 0-1 0 0,0 0 0 0 0,0 0 0 0 0,0 0 0 0 0,-1 0 1 0 0,1 0-1 0 0,0 0 0 0 0,0 0 0 0 0,0 0 0 0 0,-1 0 0 0 0,1 0 1 0 0,0 0-1 0 0,0 0 0 0 0,0 0 0 0 0,-1 0 0 0 0,1-1 1 0 0,0 1-1 0 0,0 0 0 0 0,0 0 0 0 0,0 0 0 0 0,-1 0 1 0 0,1 0-1 0 0,0-1 0 0 0,0 1 0 0 0,0 0 0 0 0,0 0 0 0 0,0 0 1 0 0,0 0-1 0 0,-1-1 0 0 0,1 1 0 0 0,0 0 0 0 0,0 0 1 0 0,0 0-1 0 0,0-1 0 0 0,0 1 0 0 0,0 0 0 0 0,0 0 0 0 0,0 0 1 0 0,0-1-1 0 0,0 1 0 0 0,0 0 0 0 0,0 0 0 0 0,0 0 1 0 0,0-1-1 0 0,0 1 0 0 0,0 0 0 0 0,0 0 0 0 0,0 0 1 0 0,0-1-1 0 0,1 1 0 0 0,-1 0 0 0 0,0 0 0 0 0,0 0 0 0 0,0 0 1 0 0,0-1-1 0 0,0 1 0 0 0,0 0 0 0 0,1 0 0 0 0,-1 0 1 0 0,0 0-1 0 0,0 0 0 0 0,0 0 0 0 0,0-1 0 0 0,0 1 1 0 0,1 0-1 0 0,-1 0 0 0 0,0 0 0 0 0,-16 10-5522 0 0,10-8 3888 0 0</inkml:trace>
+</inkml:ink>
 </file>
 
 <file path=ppt/notesMasters/notesMaster1.xml><?xml version="1.0" encoding="utf-8"?>
@@ -845,7 +973,7 @@
           <a:p>
             <a:fld id="{3A2BF66F-FEB0-48C1-A8B9-A73F54BB1A08}" type="datetimeFigureOut">
               <a:rPr lang="en-US" smtClean="0"/>
-              <a:t>11/17/2020</a:t>
+              <a:t>11/18/2020</a:t>
             </a:fld>
             <a:endParaRPr lang="en-US"/>
           </a:p>
@@ -1045,7 +1173,7 @@
           <a:p>
             <a:fld id="{3A2BF66F-FEB0-48C1-A8B9-A73F54BB1A08}" type="datetimeFigureOut">
               <a:rPr lang="en-US" smtClean="0"/>
-              <a:t>11/17/2020</a:t>
+              <a:t>11/18/2020</a:t>
             </a:fld>
             <a:endParaRPr lang="en-US"/>
           </a:p>
@@ -1255,7 +1383,7 @@
           <a:p>
             <a:fld id="{3A2BF66F-FEB0-48C1-A8B9-A73F54BB1A08}" type="datetimeFigureOut">
               <a:rPr lang="en-US" smtClean="0"/>
-              <a:t>11/17/2020</a:t>
+              <a:t>11/18/2020</a:t>
             </a:fld>
             <a:endParaRPr lang="en-US"/>
           </a:p>
@@ -1455,7 +1583,7 @@
           <a:p>
             <a:fld id="{3A2BF66F-FEB0-48C1-A8B9-A73F54BB1A08}" type="datetimeFigureOut">
               <a:rPr lang="en-US" smtClean="0"/>
-              <a:t>11/17/2020</a:t>
+              <a:t>11/18/2020</a:t>
             </a:fld>
             <a:endParaRPr lang="en-US"/>
           </a:p>
@@ -1732,7 +1860,7 @@
           <a:p>
             <a:fld id="{3A2BF66F-FEB0-48C1-A8B9-A73F54BB1A08}" type="datetimeFigureOut">
               <a:rPr lang="en-US" smtClean="0"/>
-              <a:t>11/17/2020</a:t>
+              <a:t>11/18/2020</a:t>
             </a:fld>
             <a:endParaRPr lang="en-US"/>
           </a:p>
@@ -1999,7 +2127,7 @@
           <a:p>
             <a:fld id="{3A2BF66F-FEB0-48C1-A8B9-A73F54BB1A08}" type="datetimeFigureOut">
               <a:rPr lang="en-US" smtClean="0"/>
-              <a:t>11/17/2020</a:t>
+              <a:t>11/18/2020</a:t>
             </a:fld>
             <a:endParaRPr lang="en-US"/>
           </a:p>
@@ -2413,7 +2541,7 @@
           <a:p>
             <a:fld id="{3A2BF66F-FEB0-48C1-A8B9-A73F54BB1A08}" type="datetimeFigureOut">
               <a:rPr lang="en-US" smtClean="0"/>
-              <a:t>11/17/2020</a:t>
+              <a:t>11/18/2020</a:t>
             </a:fld>
             <a:endParaRPr lang="en-US"/>
           </a:p>
@@ -2556,7 +2684,7 @@
           <a:p>
             <a:fld id="{3A2BF66F-FEB0-48C1-A8B9-A73F54BB1A08}" type="datetimeFigureOut">
               <a:rPr lang="en-US" smtClean="0"/>
-              <a:t>11/17/2020</a:t>
+              <a:t>11/18/2020</a:t>
             </a:fld>
             <a:endParaRPr lang="en-US"/>
           </a:p>
@@ -2671,7 +2799,7 @@
           <a:p>
             <a:fld id="{3A2BF66F-FEB0-48C1-A8B9-A73F54BB1A08}" type="datetimeFigureOut">
               <a:rPr lang="en-US" smtClean="0"/>
-              <a:t>11/17/2020</a:t>
+              <a:t>11/18/2020</a:t>
             </a:fld>
             <a:endParaRPr lang="en-US"/>
           </a:p>
@@ -2983,7 +3111,7 @@
           <a:p>
             <a:fld id="{3A2BF66F-FEB0-48C1-A8B9-A73F54BB1A08}" type="datetimeFigureOut">
               <a:rPr lang="en-US" smtClean="0"/>
-              <a:t>11/17/2020</a:t>
+              <a:t>11/18/2020</a:t>
             </a:fld>
             <a:endParaRPr lang="en-US"/>
           </a:p>
@@ -3273,7 +3401,7 @@
           <a:p>
             <a:fld id="{3A2BF66F-FEB0-48C1-A8B9-A73F54BB1A08}" type="datetimeFigureOut">
               <a:rPr lang="en-US" smtClean="0"/>
-              <a:t>11/17/2020</a:t>
+              <a:t>11/18/2020</a:t>
             </a:fld>
             <a:endParaRPr lang="en-US"/>
           </a:p>
@@ -3516,7 +3644,7 @@
           <a:p>
             <a:fld id="{3A2BF66F-FEB0-48C1-A8B9-A73F54BB1A08}" type="datetimeFigureOut">
               <a:rPr lang="en-US" smtClean="0"/>
-              <a:t>11/17/2020</a:t>
+              <a:t>11/18/2020</a:t>
             </a:fld>
             <a:endParaRPr lang="en-US"/>
           </a:p>
@@ -4170,6 +4298,12 @@
             <a:endParaRPr lang="en-US" dirty="0"/>
           </a:p>
           <a:p>
+            <a:r>
+              <a:rPr lang="en-US" dirty="0"/>
+              <a:t>Exam 2- see Piazza post</a:t>
+            </a:r>
+          </a:p>
+          <a:p>
             <a:pPr marL="0" indent="0">
               <a:buNone/>
             </a:pPr>
@@ -4177,6 +4311,210 @@
           </a:p>
         </p:txBody>
       </p:sp>
+      <mc:AlternateContent xmlns:mc="http://schemas.openxmlformats.org/markup-compatibility/2006">
+        <mc:Choice xmlns:p14="http://schemas.microsoft.com/office/powerpoint/2010/main" Requires="p14">
+          <p:contentPart p14:bwMode="auto" r:id="rId2">
+            <p14:nvContentPartPr>
+              <p14:cNvPr id="4" name="Ink 3">
+                <a:extLst>
+                  <a:ext uri="{FF2B5EF4-FFF2-40B4-BE49-F238E27FC236}">
+                    <a16:creationId xmlns:a16="http://schemas.microsoft.com/office/drawing/2014/main" id="{DC49F0F8-EC6C-4218-96FB-39D31E62BD20}"/>
+                  </a:ext>
+                </a:extLst>
+              </p14:cNvPr>
+              <p14:cNvContentPartPr/>
+              <p14:nvPr/>
+            </p14:nvContentPartPr>
+            <p14:xfrm>
+              <a:off x="2217889" y="1718179"/>
+              <a:ext cx="538560" cy="48240"/>
+            </p14:xfrm>
+          </p:contentPart>
+        </mc:Choice>
+        <mc:Fallback>
+          <p:pic>
+            <p:nvPicPr>
+              <p:cNvPr id="4" name="Ink 3">
+                <a:extLst>
+                  <a:ext uri="{FF2B5EF4-FFF2-40B4-BE49-F238E27FC236}">
+                    <a16:creationId xmlns:a16="http://schemas.microsoft.com/office/drawing/2014/main" id="{DC49F0F8-EC6C-4218-96FB-39D31E62BD20}"/>
+                  </a:ext>
+                </a:extLst>
+              </p:cNvPr>
+              <p:cNvPicPr/>
+              <p:nvPr/>
+            </p:nvPicPr>
+            <p:blipFill>
+              <a:blip r:embed="rId3"/>
+              <a:stretch>
+                <a:fillRect/>
+              </a:stretch>
+            </p:blipFill>
+            <p:spPr>
+              <a:xfrm>
+                <a:off x="2208889" y="1709539"/>
+                <a:ext cx="556200" cy="65880"/>
+              </a:xfrm>
+              <a:prstGeom prst="rect">
+                <a:avLst/>
+              </a:prstGeom>
+            </p:spPr>
+          </p:pic>
+        </mc:Fallback>
+      </mc:AlternateContent>
+      <mc:AlternateContent xmlns:mc="http://schemas.openxmlformats.org/markup-compatibility/2006">
+        <mc:Choice xmlns:p14="http://schemas.microsoft.com/office/powerpoint/2010/main" Requires="p14">
+          <p:contentPart p14:bwMode="auto" r:id="rId4">
+            <p14:nvContentPartPr>
+              <p14:cNvPr id="5" name="Ink 4">
+                <a:extLst>
+                  <a:ext uri="{FF2B5EF4-FFF2-40B4-BE49-F238E27FC236}">
+                    <a16:creationId xmlns:a16="http://schemas.microsoft.com/office/drawing/2014/main" id="{47948A5F-6250-49D7-8FA2-122E9E145AE8}"/>
+                  </a:ext>
+                </a:extLst>
+              </p14:cNvPr>
+              <p14:cNvContentPartPr/>
+              <p14:nvPr/>
+            </p14:nvContentPartPr>
+            <p14:xfrm>
+              <a:off x="2332009" y="2185819"/>
+              <a:ext cx="549000" cy="27360"/>
+            </p14:xfrm>
+          </p:contentPart>
+        </mc:Choice>
+        <mc:Fallback>
+          <p:pic>
+            <p:nvPicPr>
+              <p:cNvPr id="5" name="Ink 4">
+                <a:extLst>
+                  <a:ext uri="{FF2B5EF4-FFF2-40B4-BE49-F238E27FC236}">
+                    <a16:creationId xmlns:a16="http://schemas.microsoft.com/office/drawing/2014/main" id="{47948A5F-6250-49D7-8FA2-122E9E145AE8}"/>
+                  </a:ext>
+                </a:extLst>
+              </p:cNvPr>
+              <p:cNvPicPr/>
+              <p:nvPr/>
+            </p:nvPicPr>
+            <p:blipFill>
+              <a:blip r:embed="rId5"/>
+              <a:stretch>
+                <a:fillRect/>
+              </a:stretch>
+            </p:blipFill>
+            <p:spPr>
+              <a:xfrm>
+                <a:off x="2323009" y="2176819"/>
+                <a:ext cx="566640" cy="45000"/>
+              </a:xfrm>
+              <a:prstGeom prst="rect">
+                <a:avLst/>
+              </a:prstGeom>
+            </p:spPr>
+          </p:pic>
+        </mc:Fallback>
+      </mc:AlternateContent>
+      <mc:AlternateContent xmlns:mc="http://schemas.openxmlformats.org/markup-compatibility/2006">
+        <mc:Choice xmlns:p14="http://schemas.microsoft.com/office/powerpoint/2010/main" Requires="p14">
+          <p:contentPart p14:bwMode="auto" r:id="rId6">
+            <p14:nvContentPartPr>
+              <p14:cNvPr id="6" name="Ink 5">
+                <a:extLst>
+                  <a:ext uri="{FF2B5EF4-FFF2-40B4-BE49-F238E27FC236}">
+                    <a16:creationId xmlns:a16="http://schemas.microsoft.com/office/drawing/2014/main" id="{94D91518-6EBA-45C2-B100-AD901B0640B4}"/>
+                  </a:ext>
+                </a:extLst>
+              </p14:cNvPr>
+              <p14:cNvContentPartPr/>
+              <p14:nvPr/>
+            </p14:nvContentPartPr>
+            <p14:xfrm>
+              <a:off x="1790929" y="2542939"/>
+              <a:ext cx="783720" cy="59400"/>
+            </p14:xfrm>
+          </p:contentPart>
+        </mc:Choice>
+        <mc:Fallback>
+          <p:pic>
+            <p:nvPicPr>
+              <p:cNvPr id="6" name="Ink 5">
+                <a:extLst>
+                  <a:ext uri="{FF2B5EF4-FFF2-40B4-BE49-F238E27FC236}">
+                    <a16:creationId xmlns:a16="http://schemas.microsoft.com/office/drawing/2014/main" id="{94D91518-6EBA-45C2-B100-AD901B0640B4}"/>
+                  </a:ext>
+                </a:extLst>
+              </p:cNvPr>
+              <p:cNvPicPr/>
+              <p:nvPr/>
+            </p:nvPicPr>
+            <p:blipFill>
+              <a:blip r:embed="rId7"/>
+              <a:stretch>
+                <a:fillRect/>
+              </a:stretch>
+            </p:blipFill>
+            <p:spPr>
+              <a:xfrm>
+                <a:off x="1781929" y="2533939"/>
+                <a:ext cx="801360" cy="77040"/>
+              </a:xfrm>
+              <a:prstGeom prst="rect">
+                <a:avLst/>
+              </a:prstGeom>
+            </p:spPr>
+          </p:pic>
+        </mc:Fallback>
+      </mc:AlternateContent>
+      <mc:AlternateContent xmlns:mc="http://schemas.openxmlformats.org/markup-compatibility/2006">
+        <mc:Choice xmlns:p14="http://schemas.microsoft.com/office/powerpoint/2010/main" Requires="p14">
+          <p:contentPart p14:bwMode="auto" r:id="rId8">
+            <p14:nvContentPartPr>
+              <p14:cNvPr id="7" name="Ink 6">
+                <a:extLst>
+                  <a:ext uri="{FF2B5EF4-FFF2-40B4-BE49-F238E27FC236}">
+                    <a16:creationId xmlns:a16="http://schemas.microsoft.com/office/drawing/2014/main" id="{72684AD3-529B-43CE-93BA-9EA4B7CC30C4}"/>
+                  </a:ext>
+                </a:extLst>
+              </p14:cNvPr>
+              <p14:cNvContentPartPr/>
+              <p14:nvPr/>
+            </p14:nvContentPartPr>
+            <p14:xfrm>
+              <a:off x="852409" y="3000139"/>
+              <a:ext cx="860040" cy="49320"/>
+            </p14:xfrm>
+          </p:contentPart>
+        </mc:Choice>
+        <mc:Fallback>
+          <p:pic>
+            <p:nvPicPr>
+              <p:cNvPr id="7" name="Ink 6">
+                <a:extLst>
+                  <a:ext uri="{FF2B5EF4-FFF2-40B4-BE49-F238E27FC236}">
+                    <a16:creationId xmlns:a16="http://schemas.microsoft.com/office/drawing/2014/main" id="{72684AD3-529B-43CE-93BA-9EA4B7CC30C4}"/>
+                  </a:ext>
+                </a:extLst>
+              </p:cNvPr>
+              <p:cNvPicPr/>
+              <p:nvPr/>
+            </p:nvPicPr>
+            <p:blipFill>
+              <a:blip r:embed="rId9"/>
+              <a:stretch>
+                <a:fillRect/>
+              </a:stretch>
+            </p:blipFill>
+            <p:spPr>
+              <a:xfrm>
+                <a:off x="843769" y="2991499"/>
+                <a:ext cx="877680" cy="66960"/>
+              </a:xfrm>
+              <a:prstGeom prst="rect">
+                <a:avLst/>
+              </a:prstGeom>
+            </p:spPr>
+          </p:pic>
+        </mc:Fallback>
+      </mc:AlternateContent>
     </p:spTree>
     <p:extLst>
       <p:ext uri="{BB962C8B-B14F-4D97-AF65-F5344CB8AC3E}">
